--- a/docs/presentation.pptx
+++ b/docs/presentation.pptx
@@ -274,7 +274,7 @@
           <a:p>
             <a:fld id="{66FBF31F-D646-4B4D-8BD4-04E24DAB732E}" type="datetimeFigureOut">
               <a:rPr lang="ko-KR" altLang="en-US" smtClean="0"/>
-              <a:t>2021-01-20</a:t>
+              <a:t>2021-01-25</a:t>
             </a:fld>
             <a:endParaRPr lang="ko-KR" altLang="en-US"/>
           </a:p>
@@ -472,7 +472,7 @@
           <a:p>
             <a:fld id="{66FBF31F-D646-4B4D-8BD4-04E24DAB732E}" type="datetimeFigureOut">
               <a:rPr lang="ko-KR" altLang="en-US" smtClean="0"/>
-              <a:t>2021-01-20</a:t>
+              <a:t>2021-01-25</a:t>
             </a:fld>
             <a:endParaRPr lang="ko-KR" altLang="en-US"/>
           </a:p>
@@ -680,7 +680,7 @@
           <a:p>
             <a:fld id="{66FBF31F-D646-4B4D-8BD4-04E24DAB732E}" type="datetimeFigureOut">
               <a:rPr lang="ko-KR" altLang="en-US" smtClean="0"/>
-              <a:t>2021-01-20</a:t>
+              <a:t>2021-01-25</a:t>
             </a:fld>
             <a:endParaRPr lang="ko-KR" altLang="en-US"/>
           </a:p>
@@ -878,7 +878,7 @@
           <a:p>
             <a:fld id="{66FBF31F-D646-4B4D-8BD4-04E24DAB732E}" type="datetimeFigureOut">
               <a:rPr lang="ko-KR" altLang="en-US" smtClean="0"/>
-              <a:t>2021-01-20</a:t>
+              <a:t>2021-01-25</a:t>
             </a:fld>
             <a:endParaRPr lang="ko-KR" altLang="en-US"/>
           </a:p>
@@ -1153,7 +1153,7 @@
           <a:p>
             <a:fld id="{66FBF31F-D646-4B4D-8BD4-04E24DAB732E}" type="datetimeFigureOut">
               <a:rPr lang="ko-KR" altLang="en-US" smtClean="0"/>
-              <a:t>2021-01-20</a:t>
+              <a:t>2021-01-25</a:t>
             </a:fld>
             <a:endParaRPr lang="ko-KR" altLang="en-US"/>
           </a:p>
@@ -1418,7 +1418,7 @@
           <a:p>
             <a:fld id="{66FBF31F-D646-4B4D-8BD4-04E24DAB732E}" type="datetimeFigureOut">
               <a:rPr lang="ko-KR" altLang="en-US" smtClean="0"/>
-              <a:t>2021-01-20</a:t>
+              <a:t>2021-01-25</a:t>
             </a:fld>
             <a:endParaRPr lang="ko-KR" altLang="en-US"/>
           </a:p>
@@ -1830,7 +1830,7 @@
           <a:p>
             <a:fld id="{66FBF31F-D646-4B4D-8BD4-04E24DAB732E}" type="datetimeFigureOut">
               <a:rPr lang="ko-KR" altLang="en-US" smtClean="0"/>
-              <a:t>2021-01-20</a:t>
+              <a:t>2021-01-25</a:t>
             </a:fld>
             <a:endParaRPr lang="ko-KR" altLang="en-US"/>
           </a:p>
@@ -1971,7 +1971,7 @@
           <a:p>
             <a:fld id="{66FBF31F-D646-4B4D-8BD4-04E24DAB732E}" type="datetimeFigureOut">
               <a:rPr lang="ko-KR" altLang="en-US" smtClean="0"/>
-              <a:t>2021-01-20</a:t>
+              <a:t>2021-01-25</a:t>
             </a:fld>
             <a:endParaRPr lang="ko-KR" altLang="en-US"/>
           </a:p>
@@ -2084,7 +2084,7 @@
           <a:p>
             <a:fld id="{66FBF31F-D646-4B4D-8BD4-04E24DAB732E}" type="datetimeFigureOut">
               <a:rPr lang="ko-KR" altLang="en-US" smtClean="0"/>
-              <a:t>2021-01-20</a:t>
+              <a:t>2021-01-25</a:t>
             </a:fld>
             <a:endParaRPr lang="ko-KR" altLang="en-US"/>
           </a:p>
@@ -2395,7 +2395,7 @@
           <a:p>
             <a:fld id="{66FBF31F-D646-4B4D-8BD4-04E24DAB732E}" type="datetimeFigureOut">
               <a:rPr lang="ko-KR" altLang="en-US" smtClean="0"/>
-              <a:t>2021-01-20</a:t>
+              <a:t>2021-01-25</a:t>
             </a:fld>
             <a:endParaRPr lang="ko-KR" altLang="en-US"/>
           </a:p>
@@ -2683,7 +2683,7 @@
           <a:p>
             <a:fld id="{66FBF31F-D646-4B4D-8BD4-04E24DAB732E}" type="datetimeFigureOut">
               <a:rPr lang="ko-KR" altLang="en-US" smtClean="0"/>
-              <a:t>2021-01-20</a:t>
+              <a:t>2021-01-25</a:t>
             </a:fld>
             <a:endParaRPr lang="ko-KR" altLang="en-US"/>
           </a:p>
@@ -2924,7 +2924,7 @@
           <a:p>
             <a:fld id="{66FBF31F-D646-4B4D-8BD4-04E24DAB732E}" type="datetimeFigureOut">
               <a:rPr lang="ko-KR" altLang="en-US" smtClean="0"/>
-              <a:t>2021-01-20</a:t>
+              <a:t>2021-01-25</a:t>
             </a:fld>
             <a:endParaRPr lang="ko-KR" altLang="en-US"/>
           </a:p>
@@ -40048,8 +40048,8 @@
           </p:sp>
         </mc:Fallback>
       </mc:AlternateContent>
-      <mc:AlternateContent xmlns:mc="http://schemas.openxmlformats.org/markup-compatibility/2006" xmlns:a14="http://schemas.microsoft.com/office/drawing/2010/main">
-        <mc:Choice Requires="a14">
+      <mc:AlternateContent xmlns:mc="http://schemas.openxmlformats.org/markup-compatibility/2006">
+        <mc:Choice xmlns:a14="http://schemas.microsoft.com/office/drawing/2010/main" Requires="a14">
           <p:sp>
             <p:nvSpPr>
               <p:cNvPr id="101" name="타원 100">
@@ -40064,7 +40064,7 @@
             </p:nvSpPr>
             <p:spPr>
               <a:xfrm>
-                <a:off x="1715155" y="3015390"/>
+                <a:off x="1773502" y="3273081"/>
                 <a:ext cx="467878" cy="504684"/>
               </a:xfrm>
               <a:prstGeom prst="ellipse">
@@ -40110,7 +40110,7 @@
             </p:txBody>
           </p:sp>
         </mc:Choice>
-        <mc:Fallback xmlns="">
+        <mc:Fallback>
           <p:sp>
             <p:nvSpPr>
               <p:cNvPr id="101" name="타원 100">
@@ -40127,7 +40127,7 @@
             </p:nvSpPr>
             <p:spPr>
               <a:xfrm>
-                <a:off x="1715155" y="3015390"/>
+                <a:off x="1773502" y="3273081"/>
                 <a:ext cx="467878" cy="504684"/>
               </a:xfrm>
               <a:prstGeom prst="ellipse">
@@ -40173,8 +40173,8 @@
         </p:nvCxnSpPr>
         <p:spPr>
           <a:xfrm rot="16200000" flipH="1">
-            <a:off x="1427375" y="2493671"/>
-            <a:ext cx="537986" cy="505451"/>
+            <a:off x="1327704" y="2593343"/>
+            <a:ext cx="795677" cy="563798"/>
           </a:xfrm>
           <a:prstGeom prst="curvedConnector3">
             <a:avLst/>
@@ -40217,12 +40217,12 @@
         </p:nvCxnSpPr>
         <p:spPr>
           <a:xfrm rot="5400000" flipH="1">
-            <a:off x="2923762" y="2545407"/>
-            <a:ext cx="414394" cy="2363729"/>
+            <a:off x="3081780" y="2703426"/>
+            <a:ext cx="156703" cy="2305382"/>
           </a:xfrm>
           <a:prstGeom prst="curvedConnector3">
             <a:avLst>
-              <a:gd name="adj1" fmla="val -55165"/>
+              <a:gd name="adj1" fmla="val -145881"/>
             </a:avLst>
           </a:prstGeom>
           <a:ln w="19050">
@@ -40263,8 +40263,8 @@
         </p:nvCxnSpPr>
         <p:spPr>
           <a:xfrm>
-            <a:off x="2183033" y="3267732"/>
-            <a:ext cx="1899284" cy="405126"/>
+            <a:off x="2241380" y="3525423"/>
+            <a:ext cx="1840937" cy="147435"/>
           </a:xfrm>
           <a:prstGeom prst="curvedConnector3">
             <a:avLst>
@@ -40308,8 +40308,8 @@
         </p:nvCxnSpPr>
         <p:spPr>
           <a:xfrm rot="16200000" flipH="1">
-            <a:off x="1184235" y="2736812"/>
-            <a:ext cx="790328" cy="271512"/>
+            <a:off x="1084563" y="2836483"/>
+            <a:ext cx="1048019" cy="329859"/>
           </a:xfrm>
           <a:prstGeom prst="curvedConnector2">
             <a:avLst/>
